--- a/day1/lecture1_maximum_likelihood.pptx
+++ b/day1/lecture1_maximum_likelihood.pptx
@@ -587,7 +587,7 @@
           </a:ln>
           <a:extLst>
             <a:ext uri="{909E8E84-426E-40dd-AFC4-6F175D3DCCD1}">
-              <a14:hiddenFill xmlns:a14="http://schemas.microsoft.com/office/drawing/2010/main" xmlns="">
+              <a14:hiddenFill xmlns="" xmlns:a14="http://schemas.microsoft.com/office/drawing/2010/main">
                 <a:solidFill>
                   <a:srgbClr val="FFFFFF"/>
                 </a:solidFill>
@@ -630,7 +630,7 @@
           </a:ln>
           <a:extLst>
             <a:ext uri="{909E8E84-426E-40dd-AFC4-6F175D3DCCD1}">
-              <a14:hiddenFill xmlns:a14="http://schemas.microsoft.com/office/drawing/2010/main" xmlns="">
+              <a14:hiddenFill xmlns="" xmlns:a14="http://schemas.microsoft.com/office/drawing/2010/main">
                 <a:noFill/>
               </a14:hiddenFill>
             </a:ext>
@@ -4765,17 +4765,17 @@
           </a:ln>
           <a:extLst>
             <a:ext uri="{FAA26D3D-D897-4be2-8F04-BA451C77F1D7}">
-              <ma14:placeholderFlag xmlns:ma14="http://schemas.microsoft.com/office/mac/drawingml/2011/main" xmlns="" val="1"/>
+              <ma14:placeholderFlag xmlns="" xmlns:ma14="http://schemas.microsoft.com/office/mac/drawingml/2011/main" val="1"/>
             </a:ext>
             <a:ext uri="{909E8E84-426E-40dd-AFC4-6F175D3DCCD1}">
-              <a14:hiddenFill xmlns:a14="http://schemas.microsoft.com/office/drawing/2010/main" xmlns="">
+              <a14:hiddenFill xmlns="" xmlns:a14="http://schemas.microsoft.com/office/drawing/2010/main">
                 <a:solidFill>
                   <a:srgbClr val="FFFFFF"/>
                 </a:solidFill>
               </a14:hiddenFill>
             </a:ext>
             <a:ext uri="{91240B29-F687-4f45-9708-019B960494DF}">
-              <a14:hiddenLine xmlns:a14="http://schemas.microsoft.com/office/drawing/2010/main" xmlns="" w="9525">
+              <a14:hiddenLine xmlns="" xmlns:a14="http://schemas.microsoft.com/office/drawing/2010/main" w="9525">
                 <a:solidFill>
                   <a:srgbClr val="000000"/>
                 </a:solidFill>
@@ -4827,17 +4827,17 @@
           </a:ln>
           <a:extLst>
             <a:ext uri="{FAA26D3D-D897-4be2-8F04-BA451C77F1D7}">
-              <ma14:placeholderFlag xmlns:ma14="http://schemas.microsoft.com/office/mac/drawingml/2011/main" xmlns="" val="1"/>
+              <ma14:placeholderFlag xmlns="" xmlns:ma14="http://schemas.microsoft.com/office/mac/drawingml/2011/main" val="1"/>
             </a:ext>
             <a:ext uri="{909E8E84-426E-40dd-AFC4-6F175D3DCCD1}">
-              <a14:hiddenFill xmlns:a14="http://schemas.microsoft.com/office/drawing/2010/main" xmlns="">
+              <a14:hiddenFill xmlns="" xmlns:a14="http://schemas.microsoft.com/office/drawing/2010/main">
                 <a:solidFill>
                   <a:srgbClr val="FFFFFF"/>
                 </a:solidFill>
               </a14:hiddenFill>
             </a:ext>
             <a:ext uri="{91240B29-F687-4f45-9708-019B960494DF}">
-              <a14:hiddenLine xmlns:a14="http://schemas.microsoft.com/office/drawing/2010/main" xmlns="" w="9525">
+              <a14:hiddenLine xmlns="" xmlns:a14="http://schemas.microsoft.com/office/drawing/2010/main" w="9525">
                 <a:solidFill>
                   <a:srgbClr val="000000"/>
                 </a:solidFill>
@@ -5105,7 +5105,7 @@
           </a:ln>
           <a:extLst>
             <a:ext uri="{909E8E84-426E-40dd-AFC4-6F175D3DCCD1}">
-              <a14:hiddenFill xmlns:a14="http://schemas.microsoft.com/office/drawing/2010/main" xmlns="">
+              <a14:hiddenFill xmlns="" xmlns:a14="http://schemas.microsoft.com/office/drawing/2010/main">
                 <a:solidFill>
                   <a:srgbClr val="FFFFFF"/>
                 </a:solidFill>
@@ -5148,7 +5148,7 @@
           </a:ln>
           <a:extLst>
             <a:ext uri="{909E8E84-426E-40dd-AFC4-6F175D3DCCD1}">
-              <a14:hiddenFill xmlns:a14="http://schemas.microsoft.com/office/drawing/2010/main" xmlns="">
+              <a14:hiddenFill xmlns="" xmlns:a14="http://schemas.microsoft.com/office/drawing/2010/main">
                 <a:noFill/>
               </a14:hiddenFill>
             </a:ext>
@@ -5679,17 +5679,17 @@
           </a:ln>
           <a:extLst>
             <a:ext uri="{FAA26D3D-D897-4be2-8F04-BA451C77F1D7}">
-              <ma14:placeholderFlag xmlns:ma14="http://schemas.microsoft.com/office/mac/drawingml/2011/main" xmlns="" val="1"/>
+              <ma14:placeholderFlag xmlns="" xmlns:ma14="http://schemas.microsoft.com/office/mac/drawingml/2011/main" val="1"/>
             </a:ext>
             <a:ext uri="{909E8E84-426E-40dd-AFC4-6F175D3DCCD1}">
-              <a14:hiddenFill xmlns:a14="http://schemas.microsoft.com/office/drawing/2010/main" xmlns="">
+              <a14:hiddenFill xmlns="" xmlns:a14="http://schemas.microsoft.com/office/drawing/2010/main">
                 <a:solidFill>
                   <a:srgbClr val="FFFFFF"/>
                 </a:solidFill>
               </a14:hiddenFill>
             </a:ext>
             <a:ext uri="{91240B29-F687-4f45-9708-019B960494DF}">
-              <a14:hiddenLine xmlns:a14="http://schemas.microsoft.com/office/drawing/2010/main" xmlns="" w="9525">
+              <a14:hiddenLine xmlns="" xmlns:a14="http://schemas.microsoft.com/office/drawing/2010/main" w="9525">
                 <a:solidFill>
                   <a:srgbClr val="000000"/>
                 </a:solidFill>
@@ -8094,6 +8094,84 @@
   <p:clrMapOvr>
     <a:masterClrMapping/>
   </p:clrMapOvr>
+  <p:timing>
+    <p:tnLst>
+      <p:par>
+        <p:cTn id="1" dur="indefinite" restart="never" nodeType="tmRoot">
+          <p:childTnLst>
+            <p:seq concurrent="1" nextAc="seek">
+              <p:cTn id="2" dur="indefinite" nodeType="mainSeq">
+                <p:childTnLst>
+                  <p:par>
+                    <p:cTn id="3" fill="hold">
+                      <p:stCondLst>
+                        <p:cond delay="indefinite"/>
+                      </p:stCondLst>
+                      <p:childTnLst>
+                        <p:par>
+                          <p:cTn id="4" fill="hold">
+                            <p:stCondLst>
+                              <p:cond delay="0"/>
+                            </p:stCondLst>
+                            <p:childTnLst>
+                              <p:par>
+                                <p:cTn id="5" presetID="1" presetClass="entr" presetSubtype="0" fill="hold" grpId="0" nodeType="clickEffect">
+                                  <p:stCondLst>
+                                    <p:cond delay="0"/>
+                                  </p:stCondLst>
+                                  <p:childTnLst>
+                                    <p:set>
+                                      <p:cBhvr>
+                                        <p:cTn id="6" dur="1" fill="hold">
+                                          <p:stCondLst>
+                                            <p:cond delay="0"/>
+                                          </p:stCondLst>
+                                        </p:cTn>
+                                        <p:tgtEl>
+                                          <p:spTgt spid="4"/>
+                                        </p:tgtEl>
+                                        <p:attrNameLst>
+                                          <p:attrName>style.visibility</p:attrName>
+                                        </p:attrNameLst>
+                                      </p:cBhvr>
+                                      <p:to>
+                                        <p:strVal val="visible"/>
+                                      </p:to>
+                                    </p:set>
+                                  </p:childTnLst>
+                                </p:cTn>
+                              </p:par>
+                            </p:childTnLst>
+                          </p:cTn>
+                        </p:par>
+                      </p:childTnLst>
+                    </p:cTn>
+                  </p:par>
+                </p:childTnLst>
+              </p:cTn>
+              <p:prevCondLst>
+                <p:cond evt="onPrev" delay="0">
+                  <p:tgtEl>
+                    <p:sldTgt/>
+                  </p:tgtEl>
+                </p:cond>
+              </p:prevCondLst>
+              <p:nextCondLst>
+                <p:cond evt="onNext" delay="0">
+                  <p:tgtEl>
+                    <p:sldTgt/>
+                  </p:tgtEl>
+                </p:cond>
+              </p:nextCondLst>
+            </p:seq>
+          </p:childTnLst>
+        </p:cTn>
+      </p:par>
+    </p:tnLst>
+    <p:bldLst>
+      <p:bldP spid="4" grpId="0"/>
+    </p:bldLst>
+  </p:timing>
 </p:sld>
 </file>
 
@@ -8142,8 +8220,8 @@
           </a:p>
         </p:txBody>
       </p:sp>
-      <mc:AlternateContent xmlns:mc="http://schemas.openxmlformats.org/markup-compatibility/2006">
-        <mc:Choice xmlns:a14="http://schemas.microsoft.com/office/drawing/2010/main" Requires="a14">
+      <mc:AlternateContent xmlns:mc="http://schemas.openxmlformats.org/markup-compatibility/2006" xmlns:a14="http://schemas.microsoft.com/office/drawing/2010/main">
+        <mc:Choice Requires="a14">
           <p:sp>
             <p:nvSpPr>
               <p:cNvPr id="3" name="Content Placeholder 2">
@@ -8918,7 +8996,7 @@
             </p:txBody>
           </p:sp>
         </mc:Choice>
-        <mc:Fallback>
+        <mc:Fallback xmlns="">
           <p:sp>
             <p:nvSpPr>
               <p:cNvPr id="3" name="Content Placeholder 2">
@@ -9249,7 +9327,15 @@
           <a:p>
             <a:r>
               <a:rPr lang="en-US" dirty="0"/>
-              <a:t>The “MLE” is the set of parameters which maximize the likelihood of the data</a:t>
+              <a:t>The “</a:t>
+            </a:r>
+            <a:r>
+              <a:rPr lang="en-US" b="1" u="sng" dirty="0"/>
+              <a:t>MLE</a:t>
+            </a:r>
+            <a:r>
+              <a:rPr lang="en-US" dirty="0"/>
+              <a:t>” is the set of parameters which maximize the likelihood of the data</a:t>
             </a:r>
           </a:p>
           <a:p>
@@ -10083,7 +10169,10 @@
               <a:t>Using the </a:t>
             </a:r>
             <a:r>
-              <a:rPr lang="en-US" dirty="0" err="1"/>
+              <a:rPr lang="en-US" dirty="0" err="1">
+                <a:latin typeface="Courier New" panose="02070309020205020404" pitchFamily="49" charset="0"/>
+                <a:cs typeface="Courier New" panose="02070309020205020404" pitchFamily="49" charset="0"/>
+              </a:rPr>
               <a:t>lm</a:t>
             </a:r>
             <a:r>
@@ -11882,13 +11971,15 @@
               </a:ext>
             </a:extLst>
           </p:cNvPr>
-          <p:cNvCxnSpPr/>
+          <p:cNvCxnSpPr>
+            <a:cxnSpLocks/>
+          </p:cNvCxnSpPr>
           <p:nvPr/>
         </p:nvCxnSpPr>
         <p:spPr>
           <a:xfrm>
             <a:off x="2264735" y="4412512"/>
-            <a:ext cx="1967023" cy="691116"/>
+            <a:ext cx="2052084" cy="1020725"/>
           </a:xfrm>
           <a:prstGeom prst="straightConnector1">
             <a:avLst/>
@@ -12595,6 +12686,15 @@
             <a:pPr marL="0" indent="0">
               <a:buNone/>
             </a:pPr>
+            <a:endParaRPr lang="fr-FR" dirty="0">
+              <a:latin typeface="Courier New" panose="02070309020205020404" pitchFamily="49" charset="0"/>
+              <a:cs typeface="Courier New" panose="02070309020205020404" pitchFamily="49" charset="0"/>
+            </a:endParaRPr>
+          </a:p>
+          <a:p>
+            <a:pPr marL="0" indent="0">
+              <a:buNone/>
+            </a:pPr>
             <a:r>
               <a:rPr lang="fr-FR" dirty="0" err="1">
                 <a:latin typeface="Courier New" panose="02070309020205020404" pitchFamily="49" charset="0"/>
@@ -13729,7 +13829,7 @@
           <a:graphicData uri="http://schemas.openxmlformats.org/presentationml/2006/ole">
             <mc:AlternateContent xmlns:mc="http://schemas.openxmlformats.org/markup-compatibility/2006">
               <mc:Choice xmlns:v="urn:schemas-microsoft-com:vml" Requires="v">
-                <p:oleObj spid="_x0000_s2064" name="Equation" r:id="rId4" imgW="2209680" imgH="253800" progId="Equation.DSMT4">
+                <p:oleObj spid="_x0000_s2067" name="Equation" r:id="rId4" imgW="2209680" imgH="253800" progId="Equation.DSMT4">
                   <p:embed/>
                 </p:oleObj>
               </mc:Choice>
@@ -14467,6 +14567,41 @@
           </a:p>
         </p:txBody>
       </p:sp>
+      <p:sp>
+        <p:nvSpPr>
+          <p:cNvPr id="5" name="TextBox 4">
+            <a:extLst>
+              <a:ext uri="{FF2B5EF4-FFF2-40B4-BE49-F238E27FC236}">
+                <a16:creationId xmlns:a16="http://schemas.microsoft.com/office/drawing/2014/main" id="{ABE0063A-473B-434A-8445-EF9D04B9E1A8}"/>
+              </a:ext>
+            </a:extLst>
+          </p:cNvPr>
+          <p:cNvSpPr txBox="1"/>
+          <p:nvPr/>
+        </p:nvSpPr>
+        <p:spPr>
+          <a:xfrm>
+            <a:off x="6080760" y="5741581"/>
+            <a:ext cx="2447224" cy="369332"/>
+          </a:xfrm>
+          <a:prstGeom prst="rect">
+            <a:avLst/>
+          </a:prstGeom>
+          <a:noFill/>
+        </p:spPr>
+        <p:txBody>
+          <a:bodyPr wrap="square" rtlCol="0">
+            <a:spAutoFit/>
+          </a:bodyPr>
+          <a:lstStyle/>
+          <a:p>
+            <a:r>
+              <a:rPr lang="en-US" dirty="0"/>
+              <a:t>Wikipedia.org</a:t>
+            </a:r>
+          </a:p>
+        </p:txBody>
+      </p:sp>
     </p:spTree>
     <p:extLst>
       <p:ext uri="{BB962C8B-B14F-4D97-AF65-F5344CB8AC3E}">
@@ -14554,13 +14689,21 @@
           <a:p>
             <a:r>
               <a:rPr lang="en-US" sz="2800" dirty="0"/>
-              <a:t>Numerical derivatives like “finite difference” (e.g., set h=0.0001 in formula) are unreliable</a:t>
-            </a:r>
-          </a:p>
-          <a:p>
+              <a:t>Numerical derivatives like “finite difference” (e.g., set </a:t>
+            </a:r>
+            <a:r>
+              <a:rPr lang="en-US" sz="2800" i="1" dirty="0"/>
+              <a:t>h=0.0001</a:t>
+            </a:r>
             <a:r>
               <a:rPr lang="en-US" sz="2800" dirty="0"/>
-              <a:t>So, how do we calculate derivatives (gradients) of complex functions (e.g., statistical models)?</a:t>
+              <a:t> in formula) are unreliable</a:t>
+            </a:r>
+          </a:p>
+          <a:p>
+            <a:r>
+              <a:rPr lang="en-US" sz="2800" dirty="0"/>
+              <a:t>So, how do we calculate gradients of complex functions (e.g., statistical models)?</a:t>
             </a:r>
           </a:p>
           <a:p>
@@ -14701,7 +14844,7 @@
         </p:spPr>
         <p:txBody>
           <a:bodyPr>
-            <a:normAutofit lnSpcReduction="10000"/>
+            <a:normAutofit/>
           </a:bodyPr>
           <a:lstStyle/>
           <a:p>
@@ -14735,11 +14878,25 @@
               <a:buNone/>
             </a:pPr>
             <a:r>
-              <a:rPr lang="en-US" sz="2400" dirty="0">
+              <a:rPr lang="en-US" sz="2000" dirty="0">
                 <a:latin typeface="Courier New" panose="02070309020205020404" pitchFamily="49" charset="0"/>
                 <a:cs typeface="Courier New" panose="02070309020205020404" pitchFamily="49" charset="0"/>
               </a:rPr>
-              <a:t>compile("polynomial.cpp")</a:t>
+              <a:t>compile("</a:t>
+            </a:r>
+            <a:r>
+              <a:rPr lang="en-US" sz="2000" dirty="0" err="1">
+                <a:latin typeface="Courier New" panose="02070309020205020404" pitchFamily="49" charset="0"/>
+                <a:cs typeface="Courier New" panose="02070309020205020404" pitchFamily="49" charset="0"/>
+              </a:rPr>
+              <a:t>tmb_models</a:t>
+            </a:r>
+            <a:r>
+              <a:rPr lang="en-US" sz="2000" dirty="0">
+                <a:latin typeface="Courier New" panose="02070309020205020404" pitchFamily="49" charset="0"/>
+                <a:cs typeface="Courier New" panose="02070309020205020404" pitchFamily="49" charset="0"/>
+              </a:rPr>
+              <a:t>/polynomial.cpp")</a:t>
             </a:r>
           </a:p>
           <a:p>
@@ -14747,32 +14904,46 @@
               <a:buNone/>
             </a:pPr>
             <a:r>
-              <a:rPr lang="en-US" sz="2400" dirty="0" err="1">
+              <a:rPr lang="en-US" sz="2000" dirty="0" err="1">
                 <a:latin typeface="Courier New" panose="02070309020205020404" pitchFamily="49" charset="0"/>
                 <a:cs typeface="Courier New" panose="02070309020205020404" pitchFamily="49" charset="0"/>
               </a:rPr>
               <a:t>dyn.load</a:t>
             </a:r>
             <a:r>
-              <a:rPr lang="en-US" sz="2400" dirty="0">
+              <a:rPr lang="en-US" sz="2000" dirty="0">
                 <a:latin typeface="Courier New" panose="02070309020205020404" pitchFamily="49" charset="0"/>
                 <a:cs typeface="Courier New" panose="02070309020205020404" pitchFamily="49" charset="0"/>
               </a:rPr>
               <a:t>(</a:t>
             </a:r>
             <a:r>
-              <a:rPr lang="en-US" sz="2400" dirty="0" err="1">
+              <a:rPr lang="en-US" sz="2000" dirty="0" err="1">
                 <a:latin typeface="Courier New" panose="02070309020205020404" pitchFamily="49" charset="0"/>
                 <a:cs typeface="Courier New" panose="02070309020205020404" pitchFamily="49" charset="0"/>
               </a:rPr>
               <a:t>dynlib</a:t>
             </a:r>
             <a:r>
-              <a:rPr lang="en-US" sz="2400" dirty="0">
+              <a:rPr lang="en-US" sz="2000" dirty="0">
                 <a:latin typeface="Courier New" panose="02070309020205020404" pitchFamily="49" charset="0"/>
                 <a:cs typeface="Courier New" panose="02070309020205020404" pitchFamily="49" charset="0"/>
               </a:rPr>
-              <a:t>("polynomial"))</a:t>
+              <a:t>("</a:t>
+            </a:r>
+            <a:r>
+              <a:rPr lang="en-US" sz="2000" dirty="0" err="1">
+                <a:latin typeface="Courier New" panose="02070309020205020404" pitchFamily="49" charset="0"/>
+                <a:cs typeface="Courier New" panose="02070309020205020404" pitchFamily="49" charset="0"/>
+              </a:rPr>
+              <a:t>tmb_models</a:t>
+            </a:r>
+            <a:r>
+              <a:rPr lang="en-US" sz="2000" dirty="0">
+                <a:latin typeface="Courier New" panose="02070309020205020404" pitchFamily="49" charset="0"/>
+                <a:cs typeface="Courier New" panose="02070309020205020404" pitchFamily="49" charset="0"/>
+              </a:rPr>
+              <a:t>/polynomial"))</a:t>
             </a:r>
           </a:p>
           <a:p>
@@ -14780,28 +14951,28 @@
               <a:buNone/>
             </a:pPr>
             <a:r>
-              <a:rPr lang="en-US" sz="2400" dirty="0" err="1">
+              <a:rPr lang="en-US" sz="2000" dirty="0" err="1">
                 <a:latin typeface="Courier New" panose="02070309020205020404" pitchFamily="49" charset="0"/>
                 <a:cs typeface="Courier New" panose="02070309020205020404" pitchFamily="49" charset="0"/>
               </a:rPr>
               <a:t>obj</a:t>
             </a:r>
             <a:r>
-              <a:rPr lang="en-US" sz="2400" dirty="0">
+              <a:rPr lang="en-US" sz="2000" dirty="0">
                 <a:latin typeface="Courier New" panose="02070309020205020404" pitchFamily="49" charset="0"/>
                 <a:cs typeface="Courier New" panose="02070309020205020404" pitchFamily="49" charset="0"/>
               </a:rPr>
               <a:t> &lt;- </a:t>
             </a:r>
             <a:r>
-              <a:rPr lang="en-US" sz="2400" dirty="0" err="1">
+              <a:rPr lang="en-US" sz="2000" dirty="0" err="1">
                 <a:latin typeface="Courier New" panose="02070309020205020404" pitchFamily="49" charset="0"/>
                 <a:cs typeface="Courier New" panose="02070309020205020404" pitchFamily="49" charset="0"/>
               </a:rPr>
               <a:t>MakeADFun</a:t>
             </a:r>
             <a:r>
-              <a:rPr lang="en-US" sz="2400" dirty="0">
+              <a:rPr lang="en-US" sz="2000" dirty="0">
                 <a:latin typeface="Courier New" panose="02070309020205020404" pitchFamily="49" charset="0"/>
                 <a:cs typeface="Courier New" panose="02070309020205020404" pitchFamily="49" charset="0"/>
               </a:rPr>
@@ -14813,11 +14984,11 @@
               <a:buNone/>
             </a:pPr>
             <a:r>
-              <a:rPr lang="en-US" sz="2400" dirty="0">
+              <a:rPr lang="en-US" sz="2000" dirty="0">
                 <a:latin typeface="Courier New" panose="02070309020205020404" pitchFamily="49" charset="0"/>
                 <a:cs typeface="Courier New" panose="02070309020205020404" pitchFamily="49" charset="0"/>
               </a:rPr>
-              <a:t>	       parameters=list(x=0))</a:t>
+              <a:t>                 parameters=list(x=0))</a:t>
             </a:r>
           </a:p>
           <a:p>
@@ -14825,14 +14996,14 @@
               <a:buNone/>
             </a:pPr>
             <a:r>
-              <a:rPr lang="en-US" sz="2400" dirty="0" err="1">
+              <a:rPr lang="en-US" sz="2000" dirty="0" err="1">
                 <a:latin typeface="Courier New" panose="02070309020205020404" pitchFamily="49" charset="0"/>
                 <a:cs typeface="Courier New" panose="02070309020205020404" pitchFamily="49" charset="0"/>
               </a:rPr>
               <a:t>obj$fn</a:t>
             </a:r>
             <a:r>
-              <a:rPr lang="en-US" sz="2400" dirty="0">
+              <a:rPr lang="en-US" sz="2000" dirty="0">
                 <a:latin typeface="Courier New" panose="02070309020205020404" pitchFamily="49" charset="0"/>
                 <a:cs typeface="Courier New" panose="02070309020205020404" pitchFamily="49" charset="0"/>
               </a:rPr>
@@ -14844,22 +15015,20 @@
               <a:buNone/>
             </a:pPr>
             <a:r>
-              <a:rPr lang="en-US" sz="2400" dirty="0" err="1">
+              <a:rPr lang="en-US" sz="2000" dirty="0" err="1">
                 <a:latin typeface="Courier New" panose="02070309020205020404" pitchFamily="49" charset="0"/>
                 <a:cs typeface="Courier New" panose="02070309020205020404" pitchFamily="49" charset="0"/>
               </a:rPr>
               <a:t>obj$gr</a:t>
             </a:r>
             <a:r>
-              <a:rPr lang="en-US" sz="2400" dirty="0">
+              <a:rPr lang="en-US" sz="2000" dirty="0">
                 <a:latin typeface="Courier New" panose="02070309020205020404" pitchFamily="49" charset="0"/>
                 <a:cs typeface="Courier New" panose="02070309020205020404" pitchFamily="49" charset="0"/>
               </a:rPr>
               <a:t>() </a:t>
             </a:r>
-          </a:p>
-          <a:p>
-            <a:endParaRPr lang="en-US" dirty="0"/>
+            <a:endParaRPr lang="en-US" sz="2800" dirty="0"/>
           </a:p>
         </p:txBody>
       </p:sp>
@@ -14891,7 +15060,7 @@
           <a:graphicData uri="http://schemas.openxmlformats.org/presentationml/2006/ole">
             <mc:AlternateContent xmlns:mc="http://schemas.openxmlformats.org/markup-compatibility/2006">
               <mc:Choice xmlns:v="urn:schemas-microsoft-com:vml" Requires="v">
-                <p:oleObj spid="_x0000_s1046" name="Equation" r:id="rId3" imgW="2209680" imgH="253800" progId="Equation.DSMT4">
+                <p:oleObj spid="_x0000_s1049" name="Equation" r:id="rId3" imgW="2209680" imgH="253800" progId="Equation.DSMT4">
                   <p:embed/>
                 </p:oleObj>
               </mc:Choice>
@@ -14946,7 +15115,7 @@
         </p:nvGrpSpPr>
         <p:grpSpPr>
           <a:xfrm>
-            <a:off x="6926580" y="3683885"/>
+            <a:off x="7139231" y="3141624"/>
             <a:ext cx="1851660" cy="1906231"/>
             <a:chOff x="5948413" y="4051311"/>
             <a:chExt cx="2406316" cy="2512297"/>
@@ -15173,26 +15342,39 @@
                                   </p:childTnLst>
                                 </p:cTn>
                               </p:par>
-                            </p:childTnLst>
-                          </p:cTn>
-                        </p:par>
-                      </p:childTnLst>
-                    </p:cTn>
-                  </p:par>
-                  <p:par>
-                    <p:cTn id="11" fill="hold">
-                      <p:stCondLst>
-                        <p:cond delay="indefinite"/>
-                      </p:stCondLst>
-                      <p:childTnLst>
-                        <p:par>
-                          <p:cTn id="12" fill="hold">
-                            <p:stCondLst>
-                              <p:cond delay="0"/>
-                            </p:stCondLst>
-                            <p:childTnLst>
                               <p:par>
-                                <p:cTn id="13" presetID="1" presetClass="entr" presetSubtype="0" fill="hold" nodeType="clickEffect">
+                                <p:cTn id="11" presetID="1" presetClass="entr" presetSubtype="0" fill="hold" nodeType="withEffect">
+                                  <p:stCondLst>
+                                    <p:cond delay="0"/>
+                                  </p:stCondLst>
+                                  <p:childTnLst>
+                                    <p:set>
+                                      <p:cBhvr>
+                                        <p:cTn id="12" dur="1" fill="hold">
+                                          <p:stCondLst>
+                                            <p:cond delay="0"/>
+                                          </p:stCondLst>
+                                        </p:cTn>
+                                        <p:tgtEl>
+                                          <p:spTgt spid="3">
+                                            <p:txEl>
+                                              <p:pRg st="4" end="4"/>
+                                            </p:txEl>
+                                          </p:spTgt>
+                                        </p:tgtEl>
+                                        <p:attrNameLst>
+                                          <p:attrName>style.visibility</p:attrName>
+                                        </p:attrNameLst>
+                                      </p:cBhvr>
+                                      <p:to>
+                                        <p:strVal val="visible"/>
+                                      </p:to>
+                                    </p:set>
+                                  </p:childTnLst>
+                                </p:cTn>
+                              </p:par>
+                              <p:par>
+                                <p:cTn id="13" presetID="1" presetClass="entr" presetSubtype="0" fill="hold" nodeType="withEffect">
                                   <p:stCondLst>
                                     <p:cond delay="0"/>
                                   </p:stCondLst>
@@ -15207,7 +15389,7 @@
                                         <p:tgtEl>
                                           <p:spTgt spid="3">
                                             <p:txEl>
-                                              <p:pRg st="4" end="4"/>
+                                              <p:pRg st="5" end="5"/>
                                             </p:txEl>
                                           </p:spTgt>
                                         </p:tgtEl>
@@ -15238,7 +15420,7 @@
                                         <p:tgtEl>
                                           <p:spTgt spid="3">
                                             <p:txEl>
-                                              <p:pRg st="5" end="5"/>
+                                              <p:pRg st="6" end="6"/>
                                             </p:txEl>
                                           </p:spTgt>
                                         </p:tgtEl>
@@ -15269,7 +15451,7 @@
                                         <p:tgtEl>
                                           <p:spTgt spid="3">
                                             <p:txEl>
-                                              <p:pRg st="6" end="6"/>
+                                              <p:pRg st="7" end="7"/>
                                             </p:txEl>
                                           </p:spTgt>
                                         </p:tgtEl>
@@ -15300,7 +15482,7 @@
                                         <p:tgtEl>
                                           <p:spTgt spid="3">
                                             <p:txEl>
-                                              <p:pRg st="7" end="7"/>
+                                              <p:pRg st="8" end="8"/>
                                             </p:txEl>
                                           </p:spTgt>
                                         </p:tgtEl>
@@ -15324,37 +15506,6 @@
                                     <p:set>
                                       <p:cBhvr>
                                         <p:cTn id="22" dur="1" fill="hold">
-                                          <p:stCondLst>
-                                            <p:cond delay="0"/>
-                                          </p:stCondLst>
-                                        </p:cTn>
-                                        <p:tgtEl>
-                                          <p:spTgt spid="3">
-                                            <p:txEl>
-                                              <p:pRg st="8" end="8"/>
-                                            </p:txEl>
-                                          </p:spTgt>
-                                        </p:tgtEl>
-                                        <p:attrNameLst>
-                                          <p:attrName>style.visibility</p:attrName>
-                                        </p:attrNameLst>
-                                      </p:cBhvr>
-                                      <p:to>
-                                        <p:strVal val="visible"/>
-                                      </p:to>
-                                    </p:set>
-                                  </p:childTnLst>
-                                </p:cTn>
-                              </p:par>
-                              <p:par>
-                                <p:cTn id="23" presetID="1" presetClass="entr" presetSubtype="0" fill="hold" nodeType="withEffect">
-                                  <p:stCondLst>
-                                    <p:cond delay="0"/>
-                                  </p:stCondLst>
-                                  <p:childTnLst>
-                                    <p:set>
-                                      <p:cBhvr>
-                                        <p:cTn id="24" dur="1" fill="hold">
                                           <p:stCondLst>
                                             <p:cond delay="0"/>
                                           </p:stCondLst>
